--- a/pt/ProgrammingLessons/LightBlocks.pptx
+++ b/pt/ProgrammingLessons/LightBlocks.pptx
@@ -134,6 +134,167 @@
 </p:presentation>
 </file>
 
+<file path=ppt/revisionInfo.xml><?xml version="1.0" encoding="utf-8"?>
+<p1510:revInfo xmlns:a="http://schemas.openxmlformats.org/drawingml/2006/main" xmlns:r="http://schemas.openxmlformats.org/officeDocument/2006/relationships" xmlns:p1510="http://schemas.microsoft.com/office/powerpoint/2015/10/main">
+  <p1510:revLst>
+    <p1510:client id="{B2CD98FF-05E0-4020-B8DE-8DEBDA171BAD}" v="4" dt="2020-07-13T04:46:28.561"/>
+  </p1510:revLst>
+</p1510:revInfo>
+</file>
+
+<file path=ppt/changesInfos/changesInfo1.xml><?xml version="1.0" encoding="utf-8"?>
+<pc:chgInfo xmlns:a="http://schemas.openxmlformats.org/drawingml/2006/main" xmlns:r="http://schemas.openxmlformats.org/officeDocument/2006/relationships" xmlns:ac="http://schemas.microsoft.com/office/drawing/2013/main/command" xmlns:pc="http://schemas.microsoft.com/office/powerpoint/2013/main/command">
+  <pc:docChgLst>
+    <pc:chgData name="Anderson Harayashiki Moreira" userId="07ffc975ff648281" providerId="LiveId" clId="{B2CD98FF-05E0-4020-B8DE-8DEBDA171BAD}"/>
+    <pc:docChg chg="custSel modSld">
+      <pc:chgData name="Anderson Harayashiki Moreira" userId="07ffc975ff648281" providerId="LiveId" clId="{B2CD98FF-05E0-4020-B8DE-8DEBDA171BAD}" dt="2020-07-13T04:46:28.561" v="82"/>
+      <pc:docMkLst>
+        <pc:docMk/>
+      </pc:docMkLst>
+      <pc:sldChg chg="addSp delSp">
+        <pc:chgData name="Anderson Harayashiki Moreira" userId="07ffc975ff648281" providerId="LiveId" clId="{B2CD98FF-05E0-4020-B8DE-8DEBDA171BAD}" dt="2020-07-13T04:46:28.561" v="82"/>
+        <pc:sldMkLst>
+          <pc:docMk/>
+          <pc:sldMk cId="675085363" sldId="257"/>
+        </pc:sldMkLst>
+        <pc:spChg chg="del">
+          <ac:chgData name="Anderson Harayashiki Moreira" userId="07ffc975ff648281" providerId="LiveId" clId="{B2CD98FF-05E0-4020-B8DE-8DEBDA171BAD}" dt="2020-07-13T04:46:28.099" v="81" actId="478"/>
+          <ac:spMkLst>
+            <pc:docMk/>
+            <pc:sldMk cId="675085363" sldId="257"/>
+            <ac:spMk id="4" creationId="{00000000-0000-0000-0000-000000000000}"/>
+          </ac:spMkLst>
+        </pc:spChg>
+        <pc:spChg chg="add">
+          <ac:chgData name="Anderson Harayashiki Moreira" userId="07ffc975ff648281" providerId="LiveId" clId="{B2CD98FF-05E0-4020-B8DE-8DEBDA171BAD}" dt="2020-07-13T04:46:28.561" v="82"/>
+          <ac:spMkLst>
+            <pc:docMk/>
+            <pc:sldMk cId="675085363" sldId="257"/>
+            <ac:spMk id="6" creationId="{43C5A045-4FA9-4A19-ABC8-BB4EE7B90DEE}"/>
+          </ac:spMkLst>
+        </pc:spChg>
+      </pc:sldChg>
+      <pc:sldChg chg="addSp delSp modSp">
+        <pc:chgData name="Anderson Harayashiki Moreira" userId="07ffc975ff648281" providerId="LiveId" clId="{B2CD98FF-05E0-4020-B8DE-8DEBDA171BAD}" dt="2020-07-13T04:46:25.964" v="80"/>
+        <pc:sldMkLst>
+          <pc:docMk/>
+          <pc:sldMk cId="4275874096" sldId="279"/>
+        </pc:sldMkLst>
+        <pc:spChg chg="mod">
+          <ac:chgData name="Anderson Harayashiki Moreira" userId="07ffc975ff648281" providerId="LiveId" clId="{B2CD98FF-05E0-4020-B8DE-8DEBDA171BAD}" dt="2020-07-13T04:43:25.664" v="0" actId="123"/>
+          <ac:spMkLst>
+            <pc:docMk/>
+            <pc:sldMk cId="4275874096" sldId="279"/>
+            <ac:spMk id="3" creationId="{A000E76D-FA7D-4D1C-A737-F1BF853AFCA2}"/>
+          </ac:spMkLst>
+        </pc:spChg>
+        <pc:spChg chg="del">
+          <ac:chgData name="Anderson Harayashiki Moreira" userId="07ffc975ff648281" providerId="LiveId" clId="{B2CD98FF-05E0-4020-B8DE-8DEBDA171BAD}" dt="2020-07-13T04:46:25.497" v="79" actId="478"/>
+          <ac:spMkLst>
+            <pc:docMk/>
+            <pc:sldMk cId="4275874096" sldId="279"/>
+            <ac:spMk id="4" creationId="{BF114D5C-5685-474C-87B7-5248A0FCF320}"/>
+          </ac:spMkLst>
+        </pc:spChg>
+        <pc:spChg chg="add">
+          <ac:chgData name="Anderson Harayashiki Moreira" userId="07ffc975ff648281" providerId="LiveId" clId="{B2CD98FF-05E0-4020-B8DE-8DEBDA171BAD}" dt="2020-07-13T04:46:25.964" v="80"/>
+          <ac:spMkLst>
+            <pc:docMk/>
+            <pc:sldMk cId="4275874096" sldId="279"/>
+            <ac:spMk id="14" creationId="{D83CBEDD-A344-4CBB-8DFC-DCE0B246F16E}"/>
+          </ac:spMkLst>
+        </pc:spChg>
+      </pc:sldChg>
+      <pc:sldChg chg="addSp delSp modSp">
+        <pc:chgData name="Anderson Harayashiki Moreira" userId="07ffc975ff648281" providerId="LiveId" clId="{B2CD98FF-05E0-4020-B8DE-8DEBDA171BAD}" dt="2020-07-13T04:46:23.044" v="78"/>
+        <pc:sldMkLst>
+          <pc:docMk/>
+          <pc:sldMk cId="688745075" sldId="280"/>
+        </pc:sldMkLst>
+        <pc:spChg chg="mod">
+          <ac:chgData name="Anderson Harayashiki Moreira" userId="07ffc975ff648281" providerId="LiveId" clId="{B2CD98FF-05E0-4020-B8DE-8DEBDA171BAD}" dt="2020-07-13T04:44:09.102" v="1" actId="123"/>
+          <ac:spMkLst>
+            <pc:docMk/>
+            <pc:sldMk cId="688745075" sldId="280"/>
+            <ac:spMk id="3" creationId="{D15B375D-C5C1-4869-9612-C1860A98C545}"/>
+          </ac:spMkLst>
+        </pc:spChg>
+        <pc:spChg chg="del">
+          <ac:chgData name="Anderson Harayashiki Moreira" userId="07ffc975ff648281" providerId="LiveId" clId="{B2CD98FF-05E0-4020-B8DE-8DEBDA171BAD}" dt="2020-07-13T04:46:22.332" v="77" actId="478"/>
+          <ac:spMkLst>
+            <pc:docMk/>
+            <pc:sldMk cId="688745075" sldId="280"/>
+            <ac:spMk id="4" creationId="{9AAEB851-A403-4387-B633-234CB74882F8}"/>
+          </ac:spMkLst>
+        </pc:spChg>
+        <pc:spChg chg="add">
+          <ac:chgData name="Anderson Harayashiki Moreira" userId="07ffc975ff648281" providerId="LiveId" clId="{B2CD98FF-05E0-4020-B8DE-8DEBDA171BAD}" dt="2020-07-13T04:46:23.044" v="78"/>
+          <ac:spMkLst>
+            <pc:docMk/>
+            <pc:sldMk cId="688745075" sldId="280"/>
+            <ac:spMk id="11" creationId="{6712D834-92A6-4616-82C1-3B16CA2A2F78}"/>
+          </ac:spMkLst>
+        </pc:spChg>
+      </pc:sldChg>
+      <pc:sldChg chg="addSp delSp modSp">
+        <pc:chgData name="Anderson Harayashiki Moreira" userId="07ffc975ff648281" providerId="LiveId" clId="{B2CD98FF-05E0-4020-B8DE-8DEBDA171BAD}" dt="2020-07-13T04:46:19.923" v="76"/>
+        <pc:sldMkLst>
+          <pc:docMk/>
+          <pc:sldMk cId="3107948363" sldId="281"/>
+        </pc:sldMkLst>
+        <pc:spChg chg="mod">
+          <ac:chgData name="Anderson Harayashiki Moreira" userId="07ffc975ff648281" providerId="LiveId" clId="{B2CD98FF-05E0-4020-B8DE-8DEBDA171BAD}" dt="2020-07-13T04:45:25.507" v="26" actId="20577"/>
+          <ac:spMkLst>
+            <pc:docMk/>
+            <pc:sldMk cId="3107948363" sldId="281"/>
+            <ac:spMk id="3" creationId="{D15B375D-C5C1-4869-9612-C1860A98C545}"/>
+          </ac:spMkLst>
+        </pc:spChg>
+        <pc:spChg chg="del">
+          <ac:chgData name="Anderson Harayashiki Moreira" userId="07ffc975ff648281" providerId="LiveId" clId="{B2CD98FF-05E0-4020-B8DE-8DEBDA171BAD}" dt="2020-07-13T04:46:19.263" v="75" actId="478"/>
+          <ac:spMkLst>
+            <pc:docMk/>
+            <pc:sldMk cId="3107948363" sldId="281"/>
+            <ac:spMk id="4" creationId="{9AAEB851-A403-4387-B633-234CB74882F8}"/>
+          </ac:spMkLst>
+        </pc:spChg>
+        <pc:spChg chg="add">
+          <ac:chgData name="Anderson Harayashiki Moreira" userId="07ffc975ff648281" providerId="LiveId" clId="{B2CD98FF-05E0-4020-B8DE-8DEBDA171BAD}" dt="2020-07-13T04:46:19.923" v="76"/>
+          <ac:spMkLst>
+            <pc:docMk/>
+            <pc:sldMk cId="3107948363" sldId="281"/>
+            <ac:spMk id="10" creationId="{B33913C4-FF78-4D20-AE05-10645248FB24}"/>
+          </ac:spMkLst>
+        </pc:spChg>
+      </pc:sldChg>
+      <pc:sldChg chg="modSp">
+        <pc:chgData name="Anderson Harayashiki Moreira" userId="07ffc975ff648281" providerId="LiveId" clId="{B2CD98FF-05E0-4020-B8DE-8DEBDA171BAD}" dt="2020-07-13T04:46:11.990" v="74" actId="20577"/>
+        <pc:sldMkLst>
+          <pc:docMk/>
+          <pc:sldMk cId="3392129947" sldId="288"/>
+        </pc:sldMkLst>
+        <pc:spChg chg="mod">
+          <ac:chgData name="Anderson Harayashiki Moreira" userId="07ffc975ff648281" providerId="LiveId" clId="{B2CD98FF-05E0-4020-B8DE-8DEBDA171BAD}" dt="2020-07-13T04:46:03.526" v="70" actId="20577"/>
+          <ac:spMkLst>
+            <pc:docMk/>
+            <pc:sldMk cId="3392129947" sldId="288"/>
+            <ac:spMk id="3" creationId="{00000000-0000-0000-0000-000000000000}"/>
+          </ac:spMkLst>
+        </pc:spChg>
+        <pc:spChg chg="mod">
+          <ac:chgData name="Anderson Harayashiki Moreira" userId="07ffc975ff648281" providerId="LiveId" clId="{B2CD98FF-05E0-4020-B8DE-8DEBDA171BAD}" dt="2020-07-13T04:46:11.990" v="74" actId="20577"/>
+          <ac:spMkLst>
+            <pc:docMk/>
+            <pc:sldMk cId="3392129947" sldId="288"/>
+            <ac:spMk id="4" creationId="{00000000-0000-0000-0000-000000000000}"/>
+          </ac:spMkLst>
+        </pc:spChg>
+      </pc:sldChg>
+    </pc:docChg>
+  </pc:docChgLst>
+</pc:chgInfo>
+</file>
+
 <file path=ppt/handoutMasters/handoutMaster1.xml><?xml version="1.0" encoding="utf-8"?>
 <p:handoutMaster xmlns:a="http://schemas.openxmlformats.org/drawingml/2006/main" xmlns:r="http://schemas.openxmlformats.org/officeDocument/2006/relationships" xmlns:p="http://schemas.openxmlformats.org/presentationml/2006/main">
   <p:cSld>
@@ -216,7 +377,7 @@
           <a:p>
             <a:fld id="{58040048-1E4D-CD41-AC49-0750EB72586B}" type="datetimeFigureOut">
               <a:rPr lang="en-US" smtClean="0"/>
-              <a:t>6/10/2020</a:t>
+              <a:t>7/13/2020</a:t>
             </a:fld>
             <a:endParaRPr lang="en-US"/>
           </a:p>
@@ -382,7 +543,7 @@
           <a:p>
             <a:fld id="{2B8484CF-5098-F24E-8881-583515D5C406}" type="datetimeFigureOut">
               <a:rPr lang="en-US" smtClean="0"/>
-              <a:t>6/10/2020</a:t>
+              <a:t>7/13/2020</a:t>
             </a:fld>
             <a:endParaRPr lang="en-US"/>
           </a:p>
@@ -5613,28 +5774,6 @@
       </p:sp>
       <p:sp>
         <p:nvSpPr>
-          <p:cNvPr id="4" name="Footer Placeholder 3"/>
-          <p:cNvSpPr>
-            <a:spLocks noGrp="1"/>
-          </p:cNvSpPr>
-          <p:nvPr>
-            <p:ph type="ftr" sz="quarter" idx="11"/>
-          </p:nvPr>
-        </p:nvSpPr>
-        <p:spPr/>
-        <p:txBody>
-          <a:bodyPr/>
-          <a:lstStyle/>
-          <a:p>
-            <a:r>
-              <a:rPr lang="en-US" dirty="0"/>
-              <a:t>Copyright © 2020 SPIKE Prime Lessons (primelessons.org) CC-BY-NC-SA.  (Last edit: 1/9/2020)</a:t>
-            </a:r>
-          </a:p>
-        </p:txBody>
-      </p:sp>
-      <p:sp>
-        <p:nvSpPr>
           <p:cNvPr id="7" name="Slide Number Placeholder 6">
             <a:extLst>
               <a:ext uri="{FF2B5EF4-FFF2-40B4-BE49-F238E27FC236}">
@@ -5659,6 +5798,39 @@
               <a:t>2</a:t>
             </a:fld>
             <a:endParaRPr lang="en-US" dirty="0"/>
+          </a:p>
+        </p:txBody>
+      </p:sp>
+      <p:sp>
+        <p:nvSpPr>
+          <p:cNvPr id="6" name="Footer Placeholder 3">
+            <a:extLst>
+              <a:ext uri="{FF2B5EF4-FFF2-40B4-BE49-F238E27FC236}">
+                <a16:creationId xmlns:a16="http://schemas.microsoft.com/office/drawing/2014/main" id="{43C5A045-4FA9-4A19-ABC8-BB4EE7B90DEE}"/>
+              </a:ext>
+            </a:extLst>
+          </p:cNvPr>
+          <p:cNvSpPr>
+            <a:spLocks noGrp="1"/>
+          </p:cNvSpPr>
+          <p:nvPr>
+            <p:ph type="ftr" sz="quarter" idx="11"/>
+          </p:nvPr>
+        </p:nvSpPr>
+        <p:spPr>
+          <a:xfrm>
+            <a:off x="88409" y="6321349"/>
+            <a:ext cx="4870585" cy="365125"/>
+          </a:xfrm>
+        </p:spPr>
+        <p:txBody>
+          <a:bodyPr/>
+          <a:lstStyle/>
+          <a:p>
+            <a:r>
+              <a:rPr lang="en-US" dirty="0"/>
+              <a:t>Copyright © 2020 SPIKE Prime Lessons (primelessons.org) CC-BY-NC-SA.  (Last edit: 07/13/2020)</a:t>
+            </a:r>
           </a:p>
         </p:txBody>
       </p:sp>
@@ -5748,53 +5920,28 @@
           </a:bodyPr>
           <a:lstStyle/>
           <a:p>
+            <a:pPr algn="just"/>
             <a:r>
               <a:rPr lang="pt-BR" dirty="0"/>
               <a:t>Blocos de Luz são achados na Paleta Roxa.</a:t>
             </a:r>
           </a:p>
           <a:p>
+            <a:pPr algn="just"/>
             <a:r>
               <a:rPr lang="pt-BR" dirty="0"/>
               <a:t>Você pode usar estes blocos para muitas aplicações divertidas, incluindo ligar as luzes no Sensor de Distância, criar padrões usando a matriz de LED 5x5 do Hub e até mostrar texto dinâmico.</a:t>
             </a:r>
           </a:p>
           <a:p>
+            <a:pPr algn="just"/>
             <a:endParaRPr lang="pt-BR" dirty="0"/>
           </a:p>
           <a:p>
-            <a:pPr marL="0" indent="0">
+            <a:pPr marL="0" indent="0" algn="just">
               <a:buNone/>
             </a:pPr>
             <a:endParaRPr lang="en-US" dirty="0"/>
-          </a:p>
-        </p:txBody>
-      </p:sp>
-      <p:sp>
-        <p:nvSpPr>
-          <p:cNvPr id="4" name="Footer Placeholder 3">
-            <a:extLst>
-              <a:ext uri="{FF2B5EF4-FFF2-40B4-BE49-F238E27FC236}">
-                <a16:creationId xmlns:a16="http://schemas.microsoft.com/office/drawing/2014/main" id="{BF114D5C-5685-474C-87B7-5248A0FCF320}"/>
-              </a:ext>
-            </a:extLst>
-          </p:cNvPr>
-          <p:cNvSpPr>
-            <a:spLocks noGrp="1"/>
-          </p:cNvSpPr>
-          <p:nvPr>
-            <p:ph type="ftr" sz="quarter" idx="11"/>
-          </p:nvPr>
-        </p:nvSpPr>
-        <p:spPr/>
-        <p:txBody>
-          <a:bodyPr/>
-          <a:lstStyle/>
-          <a:p>
-            <a:r>
-              <a:rPr lang="en-US" dirty="0"/>
-              <a:t>Copyright © 2020 SPIKE Prime Lessons (primelessons.org) CC-BY-NC-SA.  (Last edit: 1/9/2020)</a:t>
-            </a:r>
           </a:p>
         </p:txBody>
       </p:sp>
@@ -6028,6 +6175,39 @@
             <a:r>
               <a:rPr lang="en-US" sz="1200" dirty="0"/>
               <a:t>Customize as luzes na matriz de LED para qualquer design.</a:t>
+            </a:r>
+          </a:p>
+        </p:txBody>
+      </p:sp>
+      <p:sp>
+        <p:nvSpPr>
+          <p:cNvPr id="14" name="Footer Placeholder 3">
+            <a:extLst>
+              <a:ext uri="{FF2B5EF4-FFF2-40B4-BE49-F238E27FC236}">
+                <a16:creationId xmlns:a16="http://schemas.microsoft.com/office/drawing/2014/main" id="{D83CBEDD-A344-4CBB-8DFC-DCE0B246F16E}"/>
+              </a:ext>
+            </a:extLst>
+          </p:cNvPr>
+          <p:cNvSpPr>
+            <a:spLocks noGrp="1"/>
+          </p:cNvSpPr>
+          <p:nvPr>
+            <p:ph type="ftr" sz="quarter" idx="11"/>
+          </p:nvPr>
+        </p:nvSpPr>
+        <p:spPr>
+          <a:xfrm>
+            <a:off x="88409" y="6321349"/>
+            <a:ext cx="4870585" cy="365125"/>
+          </a:xfrm>
+        </p:spPr>
+        <p:txBody>
+          <a:bodyPr/>
+          <a:lstStyle/>
+          <a:p>
+            <a:r>
+              <a:rPr lang="en-US" dirty="0"/>
+              <a:t>Copyright © 2020 SPIKE Prime Lessons (primelessons.org) CC-BY-NC-SA.  (Last edit: 07/13/2020)</a:t>
             </a:r>
           </a:p>
         </p:txBody>
@@ -6118,62 +6298,38 @@
           <a:bodyPr/>
           <a:lstStyle/>
           <a:p>
+            <a:pPr algn="just"/>
             <a:r>
               <a:rPr lang="pt-BR" dirty="0"/>
               <a:t>Escreva “Olá mundo” usando a matriz de LEDs</a:t>
             </a:r>
           </a:p>
           <a:p>
+            <a:pPr algn="just"/>
             <a:r>
               <a:rPr lang="pt-BR" dirty="0"/>
               <a:t>Depois mostre uma cara feliz por 4 segundos</a:t>
             </a:r>
           </a:p>
           <a:p>
+            <a:pPr algn="just"/>
             <a:r>
               <a:rPr lang="pt-BR" dirty="0"/>
               <a:t>Acendas as luzes ao redor do Sensor Ultrassônico</a:t>
             </a:r>
           </a:p>
           <a:p>
+            <a:pPr algn="just"/>
             <a:r>
               <a:rPr lang="pt-BR" dirty="0"/>
               <a:t>Mude a cor do botão central para uma a sua escolha.</a:t>
             </a:r>
           </a:p>
           <a:p>
-            <a:pPr marL="0" indent="0">
+            <a:pPr marL="0" indent="0" algn="just">
               <a:buNone/>
             </a:pPr>
             <a:endParaRPr lang="en-US" dirty="0"/>
-          </a:p>
-        </p:txBody>
-      </p:sp>
-      <p:sp>
-        <p:nvSpPr>
-          <p:cNvPr id="4" name="Footer Placeholder 3">
-            <a:extLst>
-              <a:ext uri="{FF2B5EF4-FFF2-40B4-BE49-F238E27FC236}">
-                <a16:creationId xmlns:a16="http://schemas.microsoft.com/office/drawing/2014/main" id="{9AAEB851-A403-4387-B633-234CB74882F8}"/>
-              </a:ext>
-            </a:extLst>
-          </p:cNvPr>
-          <p:cNvSpPr>
-            <a:spLocks noGrp="1"/>
-          </p:cNvSpPr>
-          <p:nvPr>
-            <p:ph type="ftr" sz="quarter" idx="11"/>
-          </p:nvPr>
-        </p:nvSpPr>
-        <p:spPr/>
-        <p:txBody>
-          <a:bodyPr/>
-          <a:lstStyle/>
-          <a:p>
-            <a:r>
-              <a:rPr lang="en-US" dirty="0"/>
-              <a:t>Copyright © 2020 SPIKE Prime Lessons (primelessons.org) CC-BY-NC-SA.  (Last edit: 1/9/2020)</a:t>
-            </a:r>
           </a:p>
         </p:txBody>
       </p:sp>
@@ -6372,6 +6528,39 @@
             <a:r>
               <a:rPr lang="en-US" dirty="0"/>
               <a:t>Muda a cor do botão central para violeta</a:t>
+            </a:r>
+          </a:p>
+        </p:txBody>
+      </p:sp>
+      <p:sp>
+        <p:nvSpPr>
+          <p:cNvPr id="11" name="Footer Placeholder 3">
+            <a:extLst>
+              <a:ext uri="{FF2B5EF4-FFF2-40B4-BE49-F238E27FC236}">
+                <a16:creationId xmlns:a16="http://schemas.microsoft.com/office/drawing/2014/main" id="{6712D834-92A6-4616-82C1-3B16CA2A2F78}"/>
+              </a:ext>
+            </a:extLst>
+          </p:cNvPr>
+          <p:cNvSpPr>
+            <a:spLocks noGrp="1"/>
+          </p:cNvSpPr>
+          <p:nvPr>
+            <p:ph type="ftr" sz="quarter" idx="11"/>
+          </p:nvPr>
+        </p:nvSpPr>
+        <p:spPr>
+          <a:xfrm>
+            <a:off x="88409" y="6321349"/>
+            <a:ext cx="4870585" cy="365125"/>
+          </a:xfrm>
+        </p:spPr>
+        <p:txBody>
+          <a:bodyPr/>
+          <a:lstStyle/>
+          <a:p>
+            <a:r>
+              <a:rPr lang="en-US" dirty="0"/>
+              <a:t>Copyright © 2020 SPIKE Prime Lessons (primelessons.org) CC-BY-NC-SA.  (Last edit: 07/13/2020)</a:t>
             </a:r>
           </a:p>
         </p:txBody>
@@ -6464,56 +6653,31 @@
           </a:bodyPr>
           <a:lstStyle/>
           <a:p>
+            <a:pPr algn="just"/>
             <a:r>
               <a:rPr lang="pt-BR" dirty="0"/>
               <a:t>Quanta força estou aplicando no Sensor de Força?</a:t>
             </a:r>
           </a:p>
           <a:p>
+            <a:pPr algn="just"/>
             <a:r>
               <a:rPr lang="pt-BR" dirty="0"/>
-              <a:t>Crie um programa em um loop que coloque na tela de LED a força aplicada no sensor.</a:t>
-            </a:r>
-          </a:p>
-          <a:p>
+              <a:t>Crie um programa em um laço de repetição que coloque na Matriz de LED a força aplicada no sensor.</a:t>
+            </a:r>
+          </a:p>
+          <a:p>
+            <a:pPr algn="just"/>
             <a:r>
               <a:rPr lang="pt-BR" dirty="0"/>
               <a:t>Mostre o resultado em Newtons (0-10)</a:t>
             </a:r>
           </a:p>
           <a:p>
-            <a:pPr marL="0" indent="0">
+            <a:pPr marL="0" indent="0" algn="just">
               <a:buNone/>
             </a:pPr>
             <a:endParaRPr lang="en-US" dirty="0"/>
-          </a:p>
-        </p:txBody>
-      </p:sp>
-      <p:sp>
-        <p:nvSpPr>
-          <p:cNvPr id="4" name="Footer Placeholder 3">
-            <a:extLst>
-              <a:ext uri="{FF2B5EF4-FFF2-40B4-BE49-F238E27FC236}">
-                <a16:creationId xmlns:a16="http://schemas.microsoft.com/office/drawing/2014/main" id="{9AAEB851-A403-4387-B633-234CB74882F8}"/>
-              </a:ext>
-            </a:extLst>
-          </p:cNvPr>
-          <p:cNvSpPr>
-            <a:spLocks noGrp="1"/>
-          </p:cNvSpPr>
-          <p:nvPr>
-            <p:ph type="ftr" sz="quarter" idx="11"/>
-          </p:nvPr>
-        </p:nvSpPr>
-        <p:spPr/>
-        <p:txBody>
-          <a:bodyPr/>
-          <a:lstStyle/>
-          <a:p>
-            <a:r>
-              <a:rPr lang="en-US" dirty="0"/>
-              <a:t>Copyright © 2020 SPIKE Prime Lessons (primelessons.org) CC-BY-NC-SA.  (Last edit: 1/9/2020)</a:t>
-            </a:r>
           </a:p>
         </p:txBody>
       </p:sp>
@@ -6681,6 +6845,39 @@
           </a:prstGeom>
         </p:spPr>
       </p:pic>
+      <p:sp>
+        <p:nvSpPr>
+          <p:cNvPr id="10" name="Footer Placeholder 3">
+            <a:extLst>
+              <a:ext uri="{FF2B5EF4-FFF2-40B4-BE49-F238E27FC236}">
+                <a16:creationId xmlns:a16="http://schemas.microsoft.com/office/drawing/2014/main" id="{B33913C4-FF78-4D20-AE05-10645248FB24}"/>
+              </a:ext>
+            </a:extLst>
+          </p:cNvPr>
+          <p:cNvSpPr>
+            <a:spLocks noGrp="1"/>
+          </p:cNvSpPr>
+          <p:nvPr>
+            <p:ph type="ftr" sz="quarter" idx="11"/>
+          </p:nvPr>
+        </p:nvSpPr>
+        <p:spPr>
+          <a:xfrm>
+            <a:off x="88409" y="6321349"/>
+            <a:ext cx="4870585" cy="365125"/>
+          </a:xfrm>
+        </p:spPr>
+        <p:txBody>
+          <a:bodyPr/>
+          <a:lstStyle/>
+          <a:p>
+            <a:r>
+              <a:rPr lang="en-US" dirty="0"/>
+              <a:t>Copyright © 2020 SPIKE Prime Lessons (primelessons.org) CC-BY-NC-SA.  (Last edit: 07/13/2020)</a:t>
+            </a:r>
+          </a:p>
+        </p:txBody>
+      </p:sp>
     </p:spTree>
     <p:extLst>
       <p:ext uri="{BB962C8B-B14F-4D97-AF65-F5344CB8AC3E}">
@@ -6813,7 +7010,15 @@
           <a:p>
             <a:r>
               <a:rPr lang="pt-BR" sz="1600" dirty="0"/>
-              <a:t>Traduzido para o português por Lucas Colonna</a:t>
+              <a:t>Traduzido para o português por Lucas </a:t>
+            </a:r>
+            <a:r>
+              <a:rPr lang="pt-BR" sz="1600" dirty="0" err="1"/>
+              <a:t>Colonna</a:t>
+            </a:r>
+            <a:r>
+              <a:rPr lang="pt-BR" sz="1600" dirty="0"/>
+              <a:t> e revisado por Anderson Harayashiki Moreira</a:t>
             </a:r>
           </a:p>
           <a:p>
@@ -6838,7 +7043,7 @@
           <a:p>
             <a:r>
               <a:rPr lang="en-US" dirty="0"/>
-              <a:t>Copyright © 2020 SPIKE Prime Lessons (primelessons.org) CC-BY-NC-SA.  (Last edit: 1/9/2020)</a:t>
+              <a:t>Copyright © 2020 SPIKE Prime Lessons (primelessons.org) CC-BY-NC-SA.  (Last edit: 07/13/2020)</a:t>
             </a:r>
           </a:p>
         </p:txBody>
@@ -6868,7 +7073,7 @@
           <a:effectLst/>
           <a:extLst>
             <a:ext uri="{91240B29-F687-4f45-9708-019B960494DF}">
-              <a14:hiddenLine xmlns:a14="http://schemas.microsoft.com/office/drawing/2010/main" xmlns="" w="9525">
+              <a14:hiddenLine xmlns="" xmlns:a14="http://schemas.microsoft.com/office/drawing/2010/main" w="9525">
                 <a:solidFill>
                   <a:schemeClr val="tx1"/>
                 </a:solidFill>
@@ -6878,7 +7083,7 @@
               </a14:hiddenLine>
             </a:ext>
             <a:ext uri="{AF507438-7753-43e0-B8FC-AC1667EBCBE1}">
-              <a14:hiddenEffects xmlns:a14="http://schemas.microsoft.com/office/drawing/2010/main" xmlns="">
+              <a14:hiddenEffects xmlns="" xmlns:a14="http://schemas.microsoft.com/office/drawing/2010/main">
                 <a:effectLst>
                   <a:outerShdw dist="35921" dir="2700000" algn="ctr" rotWithShape="0">
                     <a:schemeClr val="bg2"/>
@@ -7219,7 +7424,7 @@
           <a:noFill/>
           <a:extLst>
             <a:ext uri="{909E8E84-426E-40dd-AFC4-6F175D3DCCD1}">
-              <a14:hiddenFill xmlns:a14="http://schemas.microsoft.com/office/drawing/2010/main" xmlns="">
+              <a14:hiddenFill xmlns="" xmlns:a14="http://schemas.microsoft.com/office/drawing/2010/main">
                 <a:solidFill>
                   <a:srgbClr val="FFFFFF"/>
                 </a:solidFill>
